--- a/promotionPictures/rakuden.pptx
+++ b/promotionPictures/rakuden.pptx
@@ -10,6 +10,7 @@
     <p:sldId id="258" r:id="rId4"/>
     <p:sldId id="259" r:id="rId5"/>
     <p:sldId id="260" r:id="rId6"/>
+    <p:sldId id="261" r:id="rId7"/>
   </p:sldIdLst>
   <p:sldSz cx="9144000" cy="6858000" type="screen4x3"/>
   <p:notesSz cx="6858000" cy="9144000"/>
@@ -118,6 +119,7 @@
             <p14:sldId id="258"/>
             <p14:sldId id="259"/>
             <p14:sldId id="260"/>
+            <p14:sldId id="261"/>
           </p14:sldIdLst>
         </p14:section>
       </p14:sectionLst>
@@ -307,7 +309,7 @@
           <a:p>
             <a:fld id="{B38F05B0-153A-4BBF-9C12-ACEAE887B6E0}" type="datetimeFigureOut">
               <a:rPr kumimoji="1" lang="ja-JP" altLang="en-US" smtClean="0"/>
-              <a:t>2013/12/25</a:t>
+              <a:t>2014/2/25</a:t>
             </a:fld>
             <a:endParaRPr kumimoji="1" lang="ja-JP" altLang="en-US"/>
           </a:p>
@@ -509,7 +511,7 @@
           <a:p>
             <a:fld id="{B38F05B0-153A-4BBF-9C12-ACEAE887B6E0}" type="datetimeFigureOut">
               <a:rPr kumimoji="1" lang="ja-JP" altLang="en-US" smtClean="0"/>
-              <a:t>2013/12/25</a:t>
+              <a:t>2014/2/25</a:t>
             </a:fld>
             <a:endParaRPr kumimoji="1" lang="ja-JP" altLang="en-US"/>
           </a:p>
@@ -721,7 +723,7 @@
           <a:p>
             <a:fld id="{B38F05B0-153A-4BBF-9C12-ACEAE887B6E0}" type="datetimeFigureOut">
               <a:rPr kumimoji="1" lang="ja-JP" altLang="en-US" smtClean="0"/>
-              <a:t>2013/12/25</a:t>
+              <a:t>2014/2/25</a:t>
             </a:fld>
             <a:endParaRPr kumimoji="1" lang="ja-JP" altLang="en-US"/>
           </a:p>
@@ -923,7 +925,7 @@
           <a:p>
             <a:fld id="{B38F05B0-153A-4BBF-9C12-ACEAE887B6E0}" type="datetimeFigureOut">
               <a:rPr kumimoji="1" lang="ja-JP" altLang="en-US" smtClean="0"/>
-              <a:t>2013/12/25</a:t>
+              <a:t>2014/2/25</a:t>
             </a:fld>
             <a:endParaRPr kumimoji="1" lang="ja-JP" altLang="en-US"/>
           </a:p>
@@ -1169,7 +1171,7 @@
           <a:p>
             <a:fld id="{B38F05B0-153A-4BBF-9C12-ACEAE887B6E0}" type="datetimeFigureOut">
               <a:rPr kumimoji="1" lang="ja-JP" altLang="en-US" smtClean="0"/>
-              <a:t>2013/12/25</a:t>
+              <a:t>2014/2/25</a:t>
             </a:fld>
             <a:endParaRPr kumimoji="1" lang="ja-JP" altLang="en-US"/>
           </a:p>
@@ -1521,7 +1523,7 @@
           <a:p>
             <a:fld id="{B38F05B0-153A-4BBF-9C12-ACEAE887B6E0}" type="datetimeFigureOut">
               <a:rPr kumimoji="1" lang="ja-JP" altLang="en-US" smtClean="0"/>
-              <a:t>2013/12/25</a:t>
+              <a:t>2014/2/25</a:t>
             </a:fld>
             <a:endParaRPr kumimoji="1" lang="ja-JP" altLang="en-US"/>
           </a:p>
@@ -2007,7 +2009,7 @@
           <a:p>
             <a:fld id="{B38F05B0-153A-4BBF-9C12-ACEAE887B6E0}" type="datetimeFigureOut">
               <a:rPr kumimoji="1" lang="ja-JP" altLang="en-US" smtClean="0"/>
-              <a:t>2013/12/25</a:t>
+              <a:t>2014/2/25</a:t>
             </a:fld>
             <a:endParaRPr kumimoji="1" lang="ja-JP" altLang="en-US"/>
           </a:p>
@@ -2125,7 +2127,7 @@
           <a:p>
             <a:fld id="{B38F05B0-153A-4BBF-9C12-ACEAE887B6E0}" type="datetimeFigureOut">
               <a:rPr kumimoji="1" lang="ja-JP" altLang="en-US" smtClean="0"/>
-              <a:t>2013/12/25</a:t>
+              <a:t>2014/2/25</a:t>
             </a:fld>
             <a:endParaRPr kumimoji="1" lang="ja-JP" altLang="en-US"/>
           </a:p>
@@ -2220,7 +2222,7 @@
           <a:p>
             <a:fld id="{B38F05B0-153A-4BBF-9C12-ACEAE887B6E0}" type="datetimeFigureOut">
               <a:rPr kumimoji="1" lang="ja-JP" altLang="en-US" smtClean="0"/>
-              <a:t>2013/12/25</a:t>
+              <a:t>2014/2/25</a:t>
             </a:fld>
             <a:endParaRPr kumimoji="1" lang="ja-JP" altLang="en-US"/>
           </a:p>
@@ -2529,7 +2531,7 @@
           <a:p>
             <a:fld id="{B38F05B0-153A-4BBF-9C12-ACEAE887B6E0}" type="datetimeFigureOut">
               <a:rPr kumimoji="1" lang="ja-JP" altLang="en-US" smtClean="0"/>
-              <a:t>2013/12/25</a:t>
+              <a:t>2014/2/25</a:t>
             </a:fld>
             <a:endParaRPr kumimoji="1" lang="ja-JP" altLang="en-US"/>
           </a:p>
@@ -2782,7 +2784,7 @@
           <a:p>
             <a:fld id="{B38F05B0-153A-4BBF-9C12-ACEAE887B6E0}" type="datetimeFigureOut">
               <a:rPr kumimoji="1" lang="ja-JP" altLang="en-US" smtClean="0"/>
-              <a:t>2013/12/25</a:t>
+              <a:t>2014/2/25</a:t>
             </a:fld>
             <a:endParaRPr kumimoji="1" lang="ja-JP" altLang="en-US"/>
           </a:p>
@@ -3027,7 +3029,7 @@
           <a:p>
             <a:fld id="{B38F05B0-153A-4BBF-9C12-ACEAE887B6E0}" type="datetimeFigureOut">
               <a:rPr kumimoji="1" lang="ja-JP" altLang="en-US" smtClean="0"/>
-              <a:t>2013/12/25</a:t>
+              <a:t>2014/2/25</a:t>
             </a:fld>
             <a:endParaRPr kumimoji="1" lang="ja-JP" altLang="en-US"/>
           </a:p>
@@ -3610,7 +3612,7 @@
       </p:grpSpPr>
       <p:pic>
         <p:nvPicPr>
-          <p:cNvPr id="2050" name="Picture 2" descr="E:\Users\kiuchi.keisuke\Downloads\新しいフォルダー (57)\Screenshot_2013-12-25-21-40-36.png"/>
+          <p:cNvPr id="1026" name="Picture 2"/>
           <p:cNvPicPr>
             <a:picLocks noChangeAspect="1" noChangeArrowheads="1"/>
           </p:cNvPicPr>
@@ -3631,20 +3633,33 @@
         </p:blipFill>
         <p:spPr bwMode="auto">
           <a:xfrm>
-            <a:off x="-468560" y="-5686425"/>
+            <a:off x="-468560" y="-5860032"/>
             <a:ext cx="10287000" cy="18288000"/>
           </a:xfrm>
           <a:prstGeom prst="rect">
             <a:avLst/>
           </a:prstGeom>
           <a:noFill/>
+          <a:ln>
+            <a:noFill/>
+          </a:ln>
           <a:extLst>
             <a:ext uri="{909E8E84-426E-40DD-AFC4-6F175D3DCCD1}">
               <a14:hiddenFill xmlns:a14="http://schemas.microsoft.com/office/drawing/2010/main">
                 <a:solidFill>
-                  <a:srgbClr val="FFFFFF"/>
+                  <a:schemeClr val="accent1"/>
                 </a:solidFill>
               </a14:hiddenFill>
+            </a:ext>
+            <a:ext uri="{91240B29-F687-4F45-9708-019B960494DF}">
+              <a14:hiddenLine xmlns:a14="http://schemas.microsoft.com/office/drawing/2010/main" w="9525">
+                <a:solidFill>
+                  <a:schemeClr val="tx1"/>
+                </a:solidFill>
+                <a:miter lim="800000"/>
+                <a:headEnd/>
+                <a:tailEnd/>
+              </a14:hiddenLine>
             </a:ext>
           </a:extLst>
         </p:spPr>
@@ -3672,7 +3687,7 @@
         </p:blipFill>
         <p:spPr bwMode="auto">
           <a:xfrm>
-            <a:off x="1220666" y="2132856"/>
+            <a:off x="448347" y="2357662"/>
             <a:ext cx="1544638" cy="1852612"/>
           </a:xfrm>
           <a:prstGeom prst="rect">
@@ -4027,7 +4042,7 @@
       </p:grpSpPr>
       <p:pic>
         <p:nvPicPr>
-          <p:cNvPr id="4098" name="Picture 2" descr="E:\Users\kiuchi.keisuke\Downloads\新しいフォルダー (57)\Screenshot_2013-12-25-21-49-27.png"/>
+          <p:cNvPr id="2051" name="Picture 3"/>
           <p:cNvPicPr>
             <a:picLocks noChangeAspect="1" noChangeArrowheads="1"/>
           </p:cNvPicPr>
@@ -4048,20 +4063,33 @@
         </p:blipFill>
         <p:spPr bwMode="auto">
           <a:xfrm>
-            <a:off x="-468560" y="-6004048"/>
+            <a:off x="-612576" y="-6033020"/>
             <a:ext cx="10287000" cy="18288000"/>
           </a:xfrm>
           <a:prstGeom prst="rect">
             <a:avLst/>
           </a:prstGeom>
           <a:noFill/>
+          <a:ln>
+            <a:noFill/>
+          </a:ln>
           <a:extLst>
             <a:ext uri="{909E8E84-426E-40DD-AFC4-6F175D3DCCD1}">
               <a14:hiddenFill xmlns:a14="http://schemas.microsoft.com/office/drawing/2010/main">
                 <a:solidFill>
-                  <a:srgbClr val="FFFFFF"/>
+                  <a:schemeClr val="accent1"/>
                 </a:solidFill>
               </a14:hiddenFill>
+            </a:ext>
+            <a:ext uri="{91240B29-F687-4F45-9708-019B960494DF}">
+              <a14:hiddenLine xmlns:a14="http://schemas.microsoft.com/office/drawing/2010/main" w="9525">
+                <a:solidFill>
+                  <a:schemeClr val="tx1"/>
+                </a:solidFill>
+                <a:miter lim="800000"/>
+                <a:headEnd/>
+                <a:tailEnd/>
+              </a14:hiddenLine>
             </a:ext>
           </a:extLst>
         </p:spPr>
@@ -4098,7 +4126,7 @@
       </p:grpSpPr>
       <p:pic>
         <p:nvPicPr>
-          <p:cNvPr id="5122" name="Picture 2" descr="E:\Users\kiuchi.keisuke\Downloads\新しいフォルダー (57)\Screenshot_2013-12-25-21-49-35.png"/>
+          <p:cNvPr id="3074" name="Picture 2"/>
           <p:cNvPicPr>
             <a:picLocks noChangeAspect="1" noChangeArrowheads="1"/>
           </p:cNvPicPr>
@@ -4119,20 +4147,33 @@
         </p:blipFill>
         <p:spPr bwMode="auto">
           <a:xfrm>
-            <a:off x="-971550" y="-6886575"/>
+            <a:off x="-684584" y="-6886575"/>
             <a:ext cx="10287000" cy="18288000"/>
           </a:xfrm>
           <a:prstGeom prst="rect">
             <a:avLst/>
           </a:prstGeom>
           <a:noFill/>
+          <a:ln>
+            <a:noFill/>
+          </a:ln>
           <a:extLst>
             <a:ext uri="{909E8E84-426E-40DD-AFC4-6F175D3DCCD1}">
               <a14:hiddenFill xmlns:a14="http://schemas.microsoft.com/office/drawing/2010/main">
                 <a:solidFill>
-                  <a:srgbClr val="FFFFFF"/>
+                  <a:schemeClr val="accent1"/>
                 </a:solidFill>
               </a14:hiddenFill>
+            </a:ext>
+            <a:ext uri="{91240B29-F687-4F45-9708-019B960494DF}">
+              <a14:hiddenLine xmlns:a14="http://schemas.microsoft.com/office/drawing/2010/main" w="9525">
+                <a:solidFill>
+                  <a:schemeClr val="tx1"/>
+                </a:solidFill>
+                <a:miter lim="800000"/>
+                <a:headEnd/>
+                <a:tailEnd/>
+              </a14:hiddenLine>
             </a:ext>
           </a:extLst>
         </p:spPr>
@@ -4141,6 +4182,90 @@
     <p:extLst>
       <p:ext uri="{BB962C8B-B14F-4D97-AF65-F5344CB8AC3E}">
         <p14:creationId xmlns:p14="http://schemas.microsoft.com/office/powerpoint/2010/main" val="3589886227"/>
+      </p:ext>
+    </p:extLst>
+  </p:cSld>
+  <p:clrMapOvr>
+    <a:masterClrMapping/>
+  </p:clrMapOvr>
+</p:sld>
+</file>
+
+<file path=ppt/slides/slide6.xml><?xml version="1.0" encoding="utf-8"?>
+<p:sld xmlns:a="http://schemas.openxmlformats.org/drawingml/2006/main" xmlns:r="http://schemas.openxmlformats.org/officeDocument/2006/relationships" xmlns:p="http://schemas.openxmlformats.org/presentationml/2006/main">
+  <p:cSld>
+    <p:spTree>
+      <p:nvGrpSpPr>
+        <p:cNvPr id="1" name=""/>
+        <p:cNvGrpSpPr/>
+        <p:nvPr/>
+      </p:nvGrpSpPr>
+      <p:grpSpPr>
+        <a:xfrm>
+          <a:off x="0" y="0"/>
+          <a:ext cx="0" cy="0"/>
+          <a:chOff x="0" y="0"/>
+          <a:chExt cx="0" cy="0"/>
+        </a:xfrm>
+      </p:grpSpPr>
+      <p:pic>
+        <p:nvPicPr>
+          <p:cNvPr id="4098" name="Picture 2"/>
+          <p:cNvPicPr>
+            <a:picLocks noChangeAspect="1" noChangeArrowheads="1"/>
+          </p:cNvPicPr>
+          <p:nvPr/>
+        </p:nvPicPr>
+        <p:blipFill>
+          <a:blip r:embed="rId2">
+            <a:extLst>
+              <a:ext uri="{28A0092B-C50C-407E-A947-70E740481C1C}">
+                <a14:useLocalDpi xmlns:a14="http://schemas.microsoft.com/office/drawing/2010/main" val="0"/>
+              </a:ext>
+            </a:extLst>
+          </a:blip>
+          <a:srcRect/>
+          <a:stretch>
+            <a:fillRect/>
+          </a:stretch>
+        </p:blipFill>
+        <p:spPr bwMode="auto">
+          <a:xfrm>
+            <a:off x="0" y="-4707904"/>
+            <a:ext cx="10287000" cy="18288000"/>
+          </a:xfrm>
+          <a:prstGeom prst="rect">
+            <a:avLst/>
+          </a:prstGeom>
+          <a:noFill/>
+          <a:ln>
+            <a:noFill/>
+          </a:ln>
+          <a:extLst>
+            <a:ext uri="{909E8E84-426E-40DD-AFC4-6F175D3DCCD1}">
+              <a14:hiddenFill xmlns:a14="http://schemas.microsoft.com/office/drawing/2010/main">
+                <a:solidFill>
+                  <a:schemeClr val="accent1"/>
+                </a:solidFill>
+              </a14:hiddenFill>
+            </a:ext>
+            <a:ext uri="{91240B29-F687-4F45-9708-019B960494DF}">
+              <a14:hiddenLine xmlns:a14="http://schemas.microsoft.com/office/drawing/2010/main" w="9525">
+                <a:solidFill>
+                  <a:schemeClr val="tx1"/>
+                </a:solidFill>
+                <a:miter lim="800000"/>
+                <a:headEnd/>
+                <a:tailEnd/>
+              </a14:hiddenLine>
+            </a:ext>
+          </a:extLst>
+        </p:spPr>
+      </p:pic>
+    </p:spTree>
+    <p:extLst>
+      <p:ext uri="{BB962C8B-B14F-4D97-AF65-F5344CB8AC3E}">
+        <p14:creationId xmlns:p14="http://schemas.microsoft.com/office/powerpoint/2010/main" val="301050355"/>
       </p:ext>
     </p:extLst>
   </p:cSld>

--- a/promotionPictures/rakuden.pptx
+++ b/promotionPictures/rakuden.pptx
@@ -309,7 +309,7 @@
           <a:p>
             <a:fld id="{B38F05B0-153A-4BBF-9C12-ACEAE887B6E0}" type="datetimeFigureOut">
               <a:rPr kumimoji="1" lang="ja-JP" altLang="en-US" smtClean="0"/>
-              <a:t>2014/2/25</a:t>
+              <a:t>2014/3/24</a:t>
             </a:fld>
             <a:endParaRPr kumimoji="1" lang="ja-JP" altLang="en-US"/>
           </a:p>
@@ -511,7 +511,7 @@
           <a:p>
             <a:fld id="{B38F05B0-153A-4BBF-9C12-ACEAE887B6E0}" type="datetimeFigureOut">
               <a:rPr kumimoji="1" lang="ja-JP" altLang="en-US" smtClean="0"/>
-              <a:t>2014/2/25</a:t>
+              <a:t>2014/3/24</a:t>
             </a:fld>
             <a:endParaRPr kumimoji="1" lang="ja-JP" altLang="en-US"/>
           </a:p>
@@ -723,7 +723,7 @@
           <a:p>
             <a:fld id="{B38F05B0-153A-4BBF-9C12-ACEAE887B6E0}" type="datetimeFigureOut">
               <a:rPr kumimoji="1" lang="ja-JP" altLang="en-US" smtClean="0"/>
-              <a:t>2014/2/25</a:t>
+              <a:t>2014/3/24</a:t>
             </a:fld>
             <a:endParaRPr kumimoji="1" lang="ja-JP" altLang="en-US"/>
           </a:p>
@@ -925,7 +925,7 @@
           <a:p>
             <a:fld id="{B38F05B0-153A-4BBF-9C12-ACEAE887B6E0}" type="datetimeFigureOut">
               <a:rPr kumimoji="1" lang="ja-JP" altLang="en-US" smtClean="0"/>
-              <a:t>2014/2/25</a:t>
+              <a:t>2014/3/24</a:t>
             </a:fld>
             <a:endParaRPr kumimoji="1" lang="ja-JP" altLang="en-US"/>
           </a:p>
@@ -1171,7 +1171,7 @@
           <a:p>
             <a:fld id="{B38F05B0-153A-4BBF-9C12-ACEAE887B6E0}" type="datetimeFigureOut">
               <a:rPr kumimoji="1" lang="ja-JP" altLang="en-US" smtClean="0"/>
-              <a:t>2014/2/25</a:t>
+              <a:t>2014/3/24</a:t>
             </a:fld>
             <a:endParaRPr kumimoji="1" lang="ja-JP" altLang="en-US"/>
           </a:p>
@@ -1523,7 +1523,7 @@
           <a:p>
             <a:fld id="{B38F05B0-153A-4BBF-9C12-ACEAE887B6E0}" type="datetimeFigureOut">
               <a:rPr kumimoji="1" lang="ja-JP" altLang="en-US" smtClean="0"/>
-              <a:t>2014/2/25</a:t>
+              <a:t>2014/3/24</a:t>
             </a:fld>
             <a:endParaRPr kumimoji="1" lang="ja-JP" altLang="en-US"/>
           </a:p>
@@ -2009,7 +2009,7 @@
           <a:p>
             <a:fld id="{B38F05B0-153A-4BBF-9C12-ACEAE887B6E0}" type="datetimeFigureOut">
               <a:rPr kumimoji="1" lang="ja-JP" altLang="en-US" smtClean="0"/>
-              <a:t>2014/2/25</a:t>
+              <a:t>2014/3/24</a:t>
             </a:fld>
             <a:endParaRPr kumimoji="1" lang="ja-JP" altLang="en-US"/>
           </a:p>
@@ -2127,7 +2127,7 @@
           <a:p>
             <a:fld id="{B38F05B0-153A-4BBF-9C12-ACEAE887B6E0}" type="datetimeFigureOut">
               <a:rPr kumimoji="1" lang="ja-JP" altLang="en-US" smtClean="0"/>
-              <a:t>2014/2/25</a:t>
+              <a:t>2014/3/24</a:t>
             </a:fld>
             <a:endParaRPr kumimoji="1" lang="ja-JP" altLang="en-US"/>
           </a:p>
@@ -2222,7 +2222,7 @@
           <a:p>
             <a:fld id="{B38F05B0-153A-4BBF-9C12-ACEAE887B6E0}" type="datetimeFigureOut">
               <a:rPr kumimoji="1" lang="ja-JP" altLang="en-US" smtClean="0"/>
-              <a:t>2014/2/25</a:t>
+              <a:t>2014/3/24</a:t>
             </a:fld>
             <a:endParaRPr kumimoji="1" lang="ja-JP" altLang="en-US"/>
           </a:p>
@@ -2531,7 +2531,7 @@
           <a:p>
             <a:fld id="{B38F05B0-153A-4BBF-9C12-ACEAE887B6E0}" type="datetimeFigureOut">
               <a:rPr kumimoji="1" lang="ja-JP" altLang="en-US" smtClean="0"/>
-              <a:t>2014/2/25</a:t>
+              <a:t>2014/3/24</a:t>
             </a:fld>
             <a:endParaRPr kumimoji="1" lang="ja-JP" altLang="en-US"/>
           </a:p>
@@ -2784,7 +2784,7 @@
           <a:p>
             <a:fld id="{B38F05B0-153A-4BBF-9C12-ACEAE887B6E0}" type="datetimeFigureOut">
               <a:rPr kumimoji="1" lang="ja-JP" altLang="en-US" smtClean="0"/>
-              <a:t>2014/2/25</a:t>
+              <a:t>2014/3/24</a:t>
             </a:fld>
             <a:endParaRPr kumimoji="1" lang="ja-JP" altLang="en-US"/>
           </a:p>
@@ -3029,7 +3029,7 @@
           <a:p>
             <a:fld id="{B38F05B0-153A-4BBF-9C12-ACEAE887B6E0}" type="datetimeFigureOut">
               <a:rPr kumimoji="1" lang="ja-JP" altLang="en-US" smtClean="0"/>
-              <a:t>2014/2/25</a:t>
+              <a:t>2014/3/24</a:t>
             </a:fld>
             <a:endParaRPr kumimoji="1" lang="ja-JP" altLang="en-US"/>
           </a:p>
@@ -3406,7 +3406,7 @@
       </p:grpSpPr>
       <p:pic>
         <p:nvPicPr>
-          <p:cNvPr id="1027" name="Picture 3" descr="E:\Users\kiuchi.keisuke\Downloads\新しいフォルダー (57)\Screenshot_2013-12-25-21-40-23.png"/>
+          <p:cNvPr id="1026" name="Picture 2"/>
           <p:cNvPicPr>
             <a:picLocks noChangeAspect="1" noChangeArrowheads="1"/>
           </p:cNvPicPr>
@@ -3427,20 +3427,33 @@
         </p:blipFill>
         <p:spPr bwMode="auto">
           <a:xfrm>
-            <a:off x="-366836" y="-5499992"/>
-            <a:ext cx="10285413" cy="18286413"/>
+            <a:off x="-3794" y="-5572000"/>
+            <a:ext cx="10287000" cy="18288000"/>
           </a:xfrm>
           <a:prstGeom prst="rect">
             <a:avLst/>
           </a:prstGeom>
           <a:noFill/>
+          <a:ln>
+            <a:noFill/>
+          </a:ln>
           <a:extLst>
             <a:ext uri="{909E8E84-426E-40DD-AFC4-6F175D3DCCD1}">
               <a14:hiddenFill xmlns:a14="http://schemas.microsoft.com/office/drawing/2010/main">
                 <a:solidFill>
-                  <a:srgbClr val="FFFFFF"/>
+                  <a:schemeClr val="accent1"/>
                 </a:solidFill>
               </a14:hiddenFill>
+            </a:ext>
+            <a:ext uri="{91240B29-F687-4F45-9708-019B960494DF}">
+              <a14:hiddenLine xmlns:a14="http://schemas.microsoft.com/office/drawing/2010/main" w="9525">
+                <a:solidFill>
+                  <a:schemeClr val="tx1"/>
+                </a:solidFill>
+                <a:miter lim="800000"/>
+                <a:headEnd/>
+                <a:tailEnd/>
+              </a14:hiddenLine>
             </a:ext>
           </a:extLst>
         </p:spPr>
@@ -3468,7 +3481,7 @@
         </p:blipFill>
         <p:spPr bwMode="auto">
           <a:xfrm>
-            <a:off x="-417759" y="-796081"/>
+            <a:off x="75034" y="-796081"/>
             <a:ext cx="1544638" cy="1852612"/>
           </a:xfrm>
           <a:prstGeom prst="rect">
@@ -3831,7 +3844,7 @@
       </p:grpSpPr>
       <p:pic>
         <p:nvPicPr>
-          <p:cNvPr id="3074" name="Picture 2" descr="E:\Users\kiuchi.keisuke\Downloads\新しいフォルダー (57)\Screenshot_2013-12-25-21-41-47.png"/>
+          <p:cNvPr id="2050" name="Picture 2"/>
           <p:cNvPicPr>
             <a:picLocks noChangeAspect="1" noChangeArrowheads="1"/>
           </p:cNvPicPr>
@@ -3852,20 +3865,33 @@
         </p:blipFill>
         <p:spPr bwMode="auto">
           <a:xfrm>
-            <a:off x="-324544" y="-5788024"/>
+            <a:off x="-517142" y="-4923928"/>
             <a:ext cx="10287000" cy="18288000"/>
           </a:xfrm>
           <a:prstGeom prst="rect">
             <a:avLst/>
           </a:prstGeom>
           <a:noFill/>
+          <a:ln>
+            <a:noFill/>
+          </a:ln>
           <a:extLst>
             <a:ext uri="{909E8E84-426E-40DD-AFC4-6F175D3DCCD1}">
               <a14:hiddenFill xmlns:a14="http://schemas.microsoft.com/office/drawing/2010/main">
                 <a:solidFill>
-                  <a:srgbClr val="FFFFFF"/>
+                  <a:schemeClr val="accent1"/>
                 </a:solidFill>
               </a14:hiddenFill>
+            </a:ext>
+            <a:ext uri="{91240B29-F687-4F45-9708-019B960494DF}">
+              <a14:hiddenLine xmlns:a14="http://schemas.microsoft.com/office/drawing/2010/main" w="9525">
+                <a:solidFill>
+                  <a:schemeClr val="tx1"/>
+                </a:solidFill>
+                <a:miter lim="800000"/>
+                <a:headEnd/>
+                <a:tailEnd/>
+              </a14:hiddenLine>
             </a:ext>
           </a:extLst>
         </p:spPr>
@@ -3924,7 +3950,7 @@
         </p:nvSpPr>
         <p:spPr>
           <a:xfrm>
-            <a:off x="1512365" y="8397552"/>
+            <a:off x="1386469" y="9876024"/>
             <a:ext cx="6227987" cy="1569660"/>
           </a:xfrm>
           <a:prstGeom prst="rect">
@@ -4042,7 +4068,7 @@
       </p:grpSpPr>
       <p:pic>
         <p:nvPicPr>
-          <p:cNvPr id="2051" name="Picture 3"/>
+          <p:cNvPr id="3074" name="Picture 2"/>
           <p:cNvPicPr>
             <a:picLocks noChangeAspect="1" noChangeArrowheads="1"/>
           </p:cNvPicPr>
@@ -4063,7 +4089,7 @@
         </p:blipFill>
         <p:spPr bwMode="auto">
           <a:xfrm>
-            <a:off x="-612576" y="-6033020"/>
+            <a:off x="-324544" y="-5211960"/>
             <a:ext cx="10287000" cy="18288000"/>
           </a:xfrm>
           <a:prstGeom prst="rect">

--- a/promotionPictures/rakuden.pptx
+++ b/promotionPictures/rakuden.pptx
@@ -309,7 +309,7 @@
           <a:p>
             <a:fld id="{B38F05B0-153A-4BBF-9C12-ACEAE887B6E0}" type="datetimeFigureOut">
               <a:rPr kumimoji="1" lang="ja-JP" altLang="en-US" smtClean="0"/>
-              <a:t>2014/3/24</a:t>
+              <a:t>2014/8/22</a:t>
             </a:fld>
             <a:endParaRPr kumimoji="1" lang="ja-JP" altLang="en-US"/>
           </a:p>
@@ -511,7 +511,7 @@
           <a:p>
             <a:fld id="{B38F05B0-153A-4BBF-9C12-ACEAE887B6E0}" type="datetimeFigureOut">
               <a:rPr kumimoji="1" lang="ja-JP" altLang="en-US" smtClean="0"/>
-              <a:t>2014/3/24</a:t>
+              <a:t>2014/8/22</a:t>
             </a:fld>
             <a:endParaRPr kumimoji="1" lang="ja-JP" altLang="en-US"/>
           </a:p>
@@ -723,7 +723,7 @@
           <a:p>
             <a:fld id="{B38F05B0-153A-4BBF-9C12-ACEAE887B6E0}" type="datetimeFigureOut">
               <a:rPr kumimoji="1" lang="ja-JP" altLang="en-US" smtClean="0"/>
-              <a:t>2014/3/24</a:t>
+              <a:t>2014/8/22</a:t>
             </a:fld>
             <a:endParaRPr kumimoji="1" lang="ja-JP" altLang="en-US"/>
           </a:p>
@@ -925,7 +925,7 @@
           <a:p>
             <a:fld id="{B38F05B0-153A-4BBF-9C12-ACEAE887B6E0}" type="datetimeFigureOut">
               <a:rPr kumimoji="1" lang="ja-JP" altLang="en-US" smtClean="0"/>
-              <a:t>2014/3/24</a:t>
+              <a:t>2014/8/22</a:t>
             </a:fld>
             <a:endParaRPr kumimoji="1" lang="ja-JP" altLang="en-US"/>
           </a:p>
@@ -1171,7 +1171,7 @@
           <a:p>
             <a:fld id="{B38F05B0-153A-4BBF-9C12-ACEAE887B6E0}" type="datetimeFigureOut">
               <a:rPr kumimoji="1" lang="ja-JP" altLang="en-US" smtClean="0"/>
-              <a:t>2014/3/24</a:t>
+              <a:t>2014/8/22</a:t>
             </a:fld>
             <a:endParaRPr kumimoji="1" lang="ja-JP" altLang="en-US"/>
           </a:p>
@@ -1523,7 +1523,7 @@
           <a:p>
             <a:fld id="{B38F05B0-153A-4BBF-9C12-ACEAE887B6E0}" type="datetimeFigureOut">
               <a:rPr kumimoji="1" lang="ja-JP" altLang="en-US" smtClean="0"/>
-              <a:t>2014/3/24</a:t>
+              <a:t>2014/8/22</a:t>
             </a:fld>
             <a:endParaRPr kumimoji="1" lang="ja-JP" altLang="en-US"/>
           </a:p>
@@ -2009,7 +2009,7 @@
           <a:p>
             <a:fld id="{B38F05B0-153A-4BBF-9C12-ACEAE887B6E0}" type="datetimeFigureOut">
               <a:rPr kumimoji="1" lang="ja-JP" altLang="en-US" smtClean="0"/>
-              <a:t>2014/3/24</a:t>
+              <a:t>2014/8/22</a:t>
             </a:fld>
             <a:endParaRPr kumimoji="1" lang="ja-JP" altLang="en-US"/>
           </a:p>
@@ -2127,7 +2127,7 @@
           <a:p>
             <a:fld id="{B38F05B0-153A-4BBF-9C12-ACEAE887B6E0}" type="datetimeFigureOut">
               <a:rPr kumimoji="1" lang="ja-JP" altLang="en-US" smtClean="0"/>
-              <a:t>2014/3/24</a:t>
+              <a:t>2014/8/22</a:t>
             </a:fld>
             <a:endParaRPr kumimoji="1" lang="ja-JP" altLang="en-US"/>
           </a:p>
@@ -2222,7 +2222,7 @@
           <a:p>
             <a:fld id="{B38F05B0-153A-4BBF-9C12-ACEAE887B6E0}" type="datetimeFigureOut">
               <a:rPr kumimoji="1" lang="ja-JP" altLang="en-US" smtClean="0"/>
-              <a:t>2014/3/24</a:t>
+              <a:t>2014/8/22</a:t>
             </a:fld>
             <a:endParaRPr kumimoji="1" lang="ja-JP" altLang="en-US"/>
           </a:p>
@@ -2531,7 +2531,7 @@
           <a:p>
             <a:fld id="{B38F05B0-153A-4BBF-9C12-ACEAE887B6E0}" type="datetimeFigureOut">
               <a:rPr kumimoji="1" lang="ja-JP" altLang="en-US" smtClean="0"/>
-              <a:t>2014/3/24</a:t>
+              <a:t>2014/8/22</a:t>
             </a:fld>
             <a:endParaRPr kumimoji="1" lang="ja-JP" altLang="en-US"/>
           </a:p>
@@ -2784,7 +2784,7 @@
           <a:p>
             <a:fld id="{B38F05B0-153A-4BBF-9C12-ACEAE887B6E0}" type="datetimeFigureOut">
               <a:rPr kumimoji="1" lang="ja-JP" altLang="en-US" smtClean="0"/>
-              <a:t>2014/3/24</a:t>
+              <a:t>2014/8/22</a:t>
             </a:fld>
             <a:endParaRPr kumimoji="1" lang="ja-JP" altLang="en-US"/>
           </a:p>
@@ -3029,7 +3029,7 @@
           <a:p>
             <a:fld id="{B38F05B0-153A-4BBF-9C12-ACEAE887B6E0}" type="datetimeFigureOut">
               <a:rPr kumimoji="1" lang="ja-JP" altLang="en-US" smtClean="0"/>
-              <a:t>2014/3/24</a:t>
+              <a:t>2014/8/22</a:t>
             </a:fld>
             <a:endParaRPr kumimoji="1" lang="ja-JP" altLang="en-US"/>
           </a:p>
@@ -4068,7 +4068,7 @@
       </p:grpSpPr>
       <p:pic>
         <p:nvPicPr>
-          <p:cNvPr id="3074" name="Picture 2"/>
+          <p:cNvPr id="1026" name="Picture 2"/>
           <p:cNvPicPr>
             <a:picLocks noChangeAspect="1" noChangeArrowheads="1"/>
           </p:cNvPicPr>
@@ -4089,7 +4089,7 @@
         </p:blipFill>
         <p:spPr bwMode="auto">
           <a:xfrm>
-            <a:off x="-324544" y="-5211960"/>
+            <a:off x="-756592" y="-5932040"/>
             <a:ext cx="10287000" cy="18288000"/>
           </a:xfrm>
           <a:prstGeom prst="rect">
